--- a/PosterFirstDraft.pptx
+++ b/PosterFirstDraft.pptx
@@ -107,6 +107,11 @@
       </a:defRPr>
     </a:lvl9pPr>
   </p:defaultTextStyle>
+  <p:extLst>
+    <p:ext uri="{EFAFB233-063F-42B5-8137-9DF3F51BA10A}">
+      <p15:sldGuideLst xmlns:p15="http://schemas.microsoft.com/office/powerpoint/2012/main"/>
+    </p:ext>
+  </p:extLst>
 </p:presentation>
 </file>
 
@@ -192,7 +197,7 @@
           <a:p>
             <a:fld id="{AA56A2D0-4F4F-4B36-90FB-73E716248202}" type="datetimeFigureOut">
               <a:rPr lang="en-US" smtClean="0"/>
-              <a:t>2/29/2020</a:t>
+              <a:t>3/4/2020</a:t>
             </a:fld>
             <a:endParaRPr lang="en-US"/>
           </a:p>
@@ -590,7 +595,7 @@
           <a:p>
             <a:fld id="{C4FFB400-8C54-47DE-B6D9-33703C97B657}" type="datetimeFigureOut">
               <a:rPr lang="en-US" smtClean="0"/>
-              <a:t>2/29/2020</a:t>
+              <a:t>3/4/2020</a:t>
             </a:fld>
             <a:endParaRPr lang="en-US"/>
           </a:p>
@@ -760,7 +765,7 @@
           <a:p>
             <a:fld id="{C4FFB400-8C54-47DE-B6D9-33703C97B657}" type="datetimeFigureOut">
               <a:rPr lang="en-US" smtClean="0"/>
-              <a:t>2/29/2020</a:t>
+              <a:t>3/4/2020</a:t>
             </a:fld>
             <a:endParaRPr lang="en-US"/>
           </a:p>
@@ -940,7 +945,7 @@
           <a:p>
             <a:fld id="{C4FFB400-8C54-47DE-B6D9-33703C97B657}" type="datetimeFigureOut">
               <a:rPr lang="en-US" smtClean="0"/>
-              <a:t>2/29/2020</a:t>
+              <a:t>3/4/2020</a:t>
             </a:fld>
             <a:endParaRPr lang="en-US"/>
           </a:p>
@@ -1110,7 +1115,7 @@
           <a:p>
             <a:fld id="{C4FFB400-8C54-47DE-B6D9-33703C97B657}" type="datetimeFigureOut">
               <a:rPr lang="en-US" smtClean="0"/>
-              <a:t>2/29/2020</a:t>
+              <a:t>3/4/2020</a:t>
             </a:fld>
             <a:endParaRPr lang="en-US"/>
           </a:p>
@@ -1354,7 +1359,7 @@
           <a:p>
             <a:fld id="{C4FFB400-8C54-47DE-B6D9-33703C97B657}" type="datetimeFigureOut">
               <a:rPr lang="en-US" smtClean="0"/>
-              <a:t>2/29/2020</a:t>
+              <a:t>3/4/2020</a:t>
             </a:fld>
             <a:endParaRPr lang="en-US"/>
           </a:p>
@@ -1586,7 +1591,7 @@
           <a:p>
             <a:fld id="{C4FFB400-8C54-47DE-B6D9-33703C97B657}" type="datetimeFigureOut">
               <a:rPr lang="en-US" smtClean="0"/>
-              <a:t>2/29/2020</a:t>
+              <a:t>3/4/2020</a:t>
             </a:fld>
             <a:endParaRPr lang="en-US"/>
           </a:p>
@@ -1953,7 +1958,7 @@
           <a:p>
             <a:fld id="{C4FFB400-8C54-47DE-B6D9-33703C97B657}" type="datetimeFigureOut">
               <a:rPr lang="en-US" smtClean="0"/>
-              <a:t>2/29/2020</a:t>
+              <a:t>3/4/2020</a:t>
             </a:fld>
             <a:endParaRPr lang="en-US"/>
           </a:p>
@@ -2071,7 +2076,7 @@
           <a:p>
             <a:fld id="{C4FFB400-8C54-47DE-B6D9-33703C97B657}" type="datetimeFigureOut">
               <a:rPr lang="en-US" smtClean="0"/>
-              <a:t>2/29/2020</a:t>
+              <a:t>3/4/2020</a:t>
             </a:fld>
             <a:endParaRPr lang="en-US"/>
           </a:p>
@@ -2166,7 +2171,7 @@
           <a:p>
             <a:fld id="{C4FFB400-8C54-47DE-B6D9-33703C97B657}" type="datetimeFigureOut">
               <a:rPr lang="en-US" smtClean="0"/>
-              <a:t>2/29/2020</a:t>
+              <a:t>3/4/2020</a:t>
             </a:fld>
             <a:endParaRPr lang="en-US"/>
           </a:p>
@@ -2443,7 +2448,7 @@
           <a:p>
             <a:fld id="{C4FFB400-8C54-47DE-B6D9-33703C97B657}" type="datetimeFigureOut">
               <a:rPr lang="en-US" smtClean="0"/>
-              <a:t>2/29/2020</a:t>
+              <a:t>3/4/2020</a:t>
             </a:fld>
             <a:endParaRPr lang="en-US"/>
           </a:p>
@@ -2700,7 +2705,7 @@
           <a:p>
             <a:fld id="{C4FFB400-8C54-47DE-B6D9-33703C97B657}" type="datetimeFigureOut">
               <a:rPr lang="en-US" smtClean="0"/>
-              <a:t>2/29/2020</a:t>
+              <a:t>3/4/2020</a:t>
             </a:fld>
             <a:endParaRPr lang="en-US"/>
           </a:p>
@@ -2913,7 +2918,7 @@
           <a:p>
             <a:fld id="{C4FFB400-8C54-47DE-B6D9-33703C97B657}" type="datetimeFigureOut">
               <a:rPr lang="en-US" smtClean="0"/>
-              <a:t>2/29/2020</a:t>
+              <a:t>3/4/2020</a:t>
             </a:fld>
             <a:endParaRPr lang="en-US"/>
           </a:p>
@@ -3880,8 +3885,8 @@
         </p:blipFill>
         <p:spPr>
           <a:xfrm>
-            <a:off x="2557358" y="25679489"/>
-            <a:ext cx="4886538" cy="2748677"/>
+            <a:off x="988834" y="25780875"/>
+            <a:ext cx="3887965" cy="2186980"/>
           </a:xfrm>
           <a:prstGeom prst="rect">
             <a:avLst/>
@@ -4105,13 +4110,15 @@
               </a:ext>
             </a:extLst>
           </p:cNvPr>
-          <p:cNvCxnSpPr/>
+          <p:cNvCxnSpPr>
+            <a:cxnSpLocks/>
+          </p:cNvCxnSpPr>
           <p:nvPr/>
         </p:nvCxnSpPr>
         <p:spPr>
           <a:xfrm>
             <a:off x="27672632" y="2935705"/>
-            <a:ext cx="0" cy="19924295"/>
+            <a:ext cx="0" cy="29982695"/>
           </a:xfrm>
           <a:prstGeom prst="line">
             <a:avLst/>
@@ -4137,47 +4144,6 @@
           </a:fontRef>
         </p:style>
       </p:cxnSp>
-      <p:cxnSp>
-        <p:nvCxnSpPr>
-          <p:cNvPr id="35" name="Straight Connector 34">
-            <a:extLst>
-              <a:ext uri="{FF2B5EF4-FFF2-40B4-BE49-F238E27FC236}">
-                <a16:creationId xmlns:a16="http://schemas.microsoft.com/office/drawing/2014/main" id="{0C392FA3-6431-4DE4-A0BC-E73997201F60}"/>
-              </a:ext>
-            </a:extLst>
-          </p:cNvPr>
-          <p:cNvCxnSpPr/>
-          <p:nvPr/>
-        </p:nvCxnSpPr>
-        <p:spPr>
-          <a:xfrm>
-            <a:off x="9797143" y="22908126"/>
-            <a:ext cx="17875489" cy="0"/>
-          </a:xfrm>
-          <a:prstGeom prst="line">
-            <a:avLst/>
-          </a:prstGeom>
-          <a:ln>
-            <a:solidFill>
-              <a:schemeClr val="tx1"/>
-            </a:solidFill>
-          </a:ln>
-        </p:spPr>
-        <p:style>
-          <a:lnRef idx="1">
-            <a:schemeClr val="accent1"/>
-          </a:lnRef>
-          <a:fillRef idx="0">
-            <a:schemeClr val="accent1"/>
-          </a:fillRef>
-          <a:effectRef idx="0">
-            <a:schemeClr val="accent1"/>
-          </a:effectRef>
-          <a:fontRef idx="minor">
-            <a:schemeClr val="tx1"/>
-          </a:fontRef>
-        </p:style>
-      </p:cxnSp>
       <p:sp>
         <p:nvSpPr>
           <p:cNvPr id="36" name="TextBox 35">
@@ -4213,6 +4179,280 @@
           </a:p>
         </p:txBody>
       </p:sp>
+      <p:sp>
+        <p:nvSpPr>
+          <p:cNvPr id="26" name="TextBox 25">
+            <a:extLst>
+              <a:ext uri="{FF2B5EF4-FFF2-40B4-BE49-F238E27FC236}">
+                <a16:creationId xmlns:a16="http://schemas.microsoft.com/office/drawing/2014/main" id="{176B2A84-B8EA-42A3-BA39-CEF57097AAAD}"/>
+              </a:ext>
+            </a:extLst>
+          </p:cNvPr>
+          <p:cNvSpPr txBox="1"/>
+          <p:nvPr/>
+        </p:nvSpPr>
+        <p:spPr>
+          <a:xfrm>
+            <a:off x="11209744" y="23746969"/>
+            <a:ext cx="15199606" cy="7478970"/>
+          </a:xfrm>
+          <a:prstGeom prst="rect">
+            <a:avLst/>
+          </a:prstGeom>
+          <a:noFill/>
+        </p:spPr>
+        <p:txBody>
+          <a:bodyPr wrap="square" rtlCol="0">
+            <a:spAutoFit/>
+          </a:bodyPr>
+          <a:lstStyle/>
+          <a:p>
+            <a:r>
+              <a:rPr lang="en-US" sz="6000" dirty="0"/>
+              <a:t>We want our application to have 3 main tabs, the calendar tab, the discover tab, and the messaging tab.  The calendar tab allows the user to view their calendar and any events they have.  The discover tab is used for finding public events, such as a concert.  The messaging tab (WIP) is used to communicate with friends with the intent on planning events to attend.</a:t>
+            </a:r>
+          </a:p>
+        </p:txBody>
+      </p:sp>
+      <p:sp>
+        <p:nvSpPr>
+          <p:cNvPr id="32" name="TextBox 31">
+            <a:extLst>
+              <a:ext uri="{FF2B5EF4-FFF2-40B4-BE49-F238E27FC236}">
+                <a16:creationId xmlns:a16="http://schemas.microsoft.com/office/drawing/2014/main" id="{16D8E4BB-9242-4058-AB5A-DC95B745C62C}"/>
+              </a:ext>
+            </a:extLst>
+          </p:cNvPr>
+          <p:cNvSpPr txBox="1"/>
+          <p:nvPr/>
+        </p:nvSpPr>
+        <p:spPr>
+          <a:xfrm>
+            <a:off x="28935913" y="4968168"/>
+            <a:ext cx="13605451" cy="10248960"/>
+          </a:xfrm>
+          <a:prstGeom prst="rect">
+            <a:avLst/>
+          </a:prstGeom>
+          <a:noFill/>
+        </p:spPr>
+        <p:txBody>
+          <a:bodyPr wrap="square" rtlCol="0">
+            <a:spAutoFit/>
+          </a:bodyPr>
+          <a:lstStyle/>
+          <a:p>
+            <a:pPr marL="857250" indent="-857250">
+              <a:buFont typeface="Arial" panose="020B0604020202020204" pitchFamily="34" charset="0"/>
+              <a:buChar char="•"/>
+            </a:pPr>
+            <a:r>
+              <a:rPr lang="en-US" sz="6000" dirty="0"/>
+              <a:t>By far the biggest challenge is keeping testing up to date.  Nothing gets added into the code without thorough testing.</a:t>
+            </a:r>
+          </a:p>
+          <a:p>
+            <a:pPr marL="857250" indent="-857250">
+              <a:buFont typeface="Arial" panose="020B0604020202020204" pitchFamily="34" charset="0"/>
+              <a:buChar char="•"/>
+            </a:pPr>
+            <a:r>
+              <a:rPr lang="en-US" sz="6000" dirty="0"/>
+              <a:t>Other commitments, such as school, and homework take a lot of time away from the project.</a:t>
+            </a:r>
+          </a:p>
+          <a:p>
+            <a:pPr marL="857250" indent="-857250">
+              <a:buFont typeface="Arial" panose="020B0604020202020204" pitchFamily="34" charset="0"/>
+              <a:buChar char="•"/>
+            </a:pPr>
+            <a:r>
+              <a:rPr lang="en-US" sz="6000" dirty="0"/>
+              <a:t>Agreement between group on API routes was another challenge.</a:t>
+            </a:r>
+          </a:p>
+          <a:p>
+            <a:pPr marL="857250" indent="-857250">
+              <a:buFont typeface="Arial" panose="020B0604020202020204" pitchFamily="34" charset="0"/>
+              <a:buChar char="•"/>
+            </a:pPr>
+            <a:r>
+              <a:rPr lang="en-US" sz="6000" dirty="0"/>
+              <a:t>Django Rest Framework makes writing the API easier, but there is a lot to know in order to do everything properly.</a:t>
+            </a:r>
+          </a:p>
+        </p:txBody>
+      </p:sp>
+      <p:cxnSp>
+        <p:nvCxnSpPr>
+          <p:cNvPr id="4" name="Straight Connector 3">
+            <a:extLst>
+              <a:ext uri="{FF2B5EF4-FFF2-40B4-BE49-F238E27FC236}">
+                <a16:creationId xmlns:a16="http://schemas.microsoft.com/office/drawing/2014/main" id="{12BC9785-43F5-4407-B3D3-D57E0D99A624}"/>
+              </a:ext>
+            </a:extLst>
+          </p:cNvPr>
+          <p:cNvCxnSpPr/>
+          <p:nvPr/>
+        </p:nvCxnSpPr>
+        <p:spPr>
+          <a:xfrm>
+            <a:off x="27672631" y="16023771"/>
+            <a:ext cx="16218569" cy="0"/>
+          </a:xfrm>
+          <a:prstGeom prst="line">
+            <a:avLst/>
+          </a:prstGeom>
+        </p:spPr>
+        <p:style>
+          <a:lnRef idx="1">
+            <a:schemeClr val="dk1"/>
+          </a:lnRef>
+          <a:fillRef idx="0">
+            <a:schemeClr val="dk1"/>
+          </a:fillRef>
+          <a:effectRef idx="0">
+            <a:schemeClr val="dk1"/>
+          </a:effectRef>
+          <a:fontRef idx="minor">
+            <a:schemeClr val="tx1"/>
+          </a:fontRef>
+        </p:style>
+      </p:cxnSp>
+      <p:sp>
+        <p:nvSpPr>
+          <p:cNvPr id="34" name="TextBox 33">
+            <a:extLst>
+              <a:ext uri="{FF2B5EF4-FFF2-40B4-BE49-F238E27FC236}">
+                <a16:creationId xmlns:a16="http://schemas.microsoft.com/office/drawing/2014/main" id="{0C84E805-388C-4C22-81AF-792B7831CFB5}"/>
+              </a:ext>
+            </a:extLst>
+          </p:cNvPr>
+          <p:cNvSpPr txBox="1"/>
+          <p:nvPr/>
+        </p:nvSpPr>
+        <p:spPr>
+          <a:xfrm>
+            <a:off x="33007005" y="16529446"/>
+            <a:ext cx="5463265" cy="1200329"/>
+          </a:xfrm>
+          <a:prstGeom prst="rect">
+            <a:avLst/>
+          </a:prstGeom>
+          <a:noFill/>
+        </p:spPr>
+        <p:txBody>
+          <a:bodyPr wrap="square" rtlCol="0">
+            <a:spAutoFit/>
+          </a:bodyPr>
+          <a:lstStyle/>
+          <a:p>
+            <a:r>
+              <a:rPr lang="en-US" sz="7200" dirty="0"/>
+              <a:t>Achievements</a:t>
+            </a:r>
+          </a:p>
+        </p:txBody>
+      </p:sp>
+      <p:sp>
+        <p:nvSpPr>
+          <p:cNvPr id="37" name="TextBox 36">
+            <a:extLst>
+              <a:ext uri="{FF2B5EF4-FFF2-40B4-BE49-F238E27FC236}">
+                <a16:creationId xmlns:a16="http://schemas.microsoft.com/office/drawing/2014/main" id="{DC433625-E846-4C26-8764-7E356E54D25F}"/>
+              </a:ext>
+            </a:extLst>
+          </p:cNvPr>
+          <p:cNvSpPr txBox="1"/>
+          <p:nvPr/>
+        </p:nvSpPr>
+        <p:spPr>
+          <a:xfrm>
+            <a:off x="28935911" y="17989818"/>
+            <a:ext cx="13605451" cy="8402300"/>
+          </a:xfrm>
+          <a:prstGeom prst="rect">
+            <a:avLst/>
+          </a:prstGeom>
+          <a:noFill/>
+        </p:spPr>
+        <p:txBody>
+          <a:bodyPr wrap="square" rtlCol="0">
+            <a:spAutoFit/>
+          </a:bodyPr>
+          <a:lstStyle/>
+          <a:p>
+            <a:pPr marL="857250" indent="-857250">
+              <a:buFont typeface="Arial" panose="020B0604020202020204" pitchFamily="34" charset="0"/>
+              <a:buChar char="•"/>
+            </a:pPr>
+            <a:r>
+              <a:rPr lang="en-US" sz="6000" dirty="0"/>
+              <a:t>Fully planned out API ahead of time.  This allows each member in the group to work independently without constantly stopping to consult other members.</a:t>
+            </a:r>
+          </a:p>
+          <a:p>
+            <a:pPr marL="857250" indent="-857250">
+              <a:buFont typeface="Arial" panose="020B0604020202020204" pitchFamily="34" charset="0"/>
+              <a:buChar char="•"/>
+            </a:pPr>
+            <a:r>
+              <a:rPr lang="en-US" sz="6000" dirty="0"/>
+              <a:t>RESTful API</a:t>
+            </a:r>
+          </a:p>
+          <a:p>
+            <a:pPr marL="857250" indent="-857250">
+              <a:buFont typeface="Arial" panose="020B0604020202020204" pitchFamily="34" charset="0"/>
+              <a:buChar char="•"/>
+            </a:pPr>
+            <a:r>
+              <a:rPr lang="en-US" sz="6000" dirty="0"/>
+              <a:t>Very well tested front end and back end code</a:t>
+            </a:r>
+          </a:p>
+          <a:p>
+            <a:pPr marL="857250" indent="-857250">
+              <a:buFont typeface="Arial" panose="020B0604020202020204" pitchFamily="34" charset="0"/>
+              <a:buChar char="•"/>
+            </a:pPr>
+            <a:r>
+              <a:rPr lang="en-US" sz="6000" dirty="0"/>
+              <a:t>Well thought out database schema</a:t>
+            </a:r>
+          </a:p>
+        </p:txBody>
+      </p:sp>
+      <p:pic>
+        <p:nvPicPr>
+          <p:cNvPr id="5" name="Picture 4">
+            <a:extLst>
+              <a:ext uri="{FF2B5EF4-FFF2-40B4-BE49-F238E27FC236}">
+                <a16:creationId xmlns:a16="http://schemas.microsoft.com/office/drawing/2014/main" id="{60E7B254-0CDA-4E8B-97D9-5A725A831A41}"/>
+              </a:ext>
+            </a:extLst>
+          </p:cNvPr>
+          <p:cNvPicPr>
+            <a:picLocks noChangeAspect="1"/>
+          </p:cNvPicPr>
+          <p:nvPr/>
+        </p:nvPicPr>
+        <p:blipFill>
+          <a:blip r:embed="rId7"/>
+          <a:stretch>
+            <a:fillRect/>
+          </a:stretch>
+        </p:blipFill>
+        <p:spPr>
+          <a:xfrm>
+            <a:off x="5909158" y="26529633"/>
+            <a:ext cx="3112630" cy="1634131"/>
+          </a:xfrm>
+          <a:prstGeom prst="rect">
+            <a:avLst/>
+          </a:prstGeom>
+        </p:spPr>
+      </p:pic>
     </p:spTree>
     <p:extLst>
       <p:ext uri="{BB962C8B-B14F-4D97-AF65-F5344CB8AC3E}">
@@ -4783,6 +5023,21 @@
 </file>
 
 <file path=customXml/item1.xml><?xml version="1.0" encoding="utf-8"?>
+<p:properties xmlns:p="http://schemas.microsoft.com/office/2006/metadata/properties" xmlns:xsi="http://www.w3.org/2001/XMLSchema-instance" xmlns:pc="http://schemas.microsoft.com/office/infopath/2007/PartnerControls">
+  <documentManagement/>
+</p:properties>
+</file>
+
+<file path=customXml/item2.xml><?xml version="1.0" encoding="utf-8"?>
+<?mso-contentType ?>
+<FormTemplates xmlns="http://schemas.microsoft.com/sharepoint/v3/contenttype/forms">
+  <Display>DocumentLibraryForm</Display>
+  <Edit>DocumentLibraryForm</Edit>
+  <New>DocumentLibraryForm</New>
+</FormTemplates>
+</file>
+
+<file path=customXml/item3.xml><?xml version="1.0" encoding="utf-8"?>
 <ct:contentTypeSchema xmlns:ct="http://schemas.microsoft.com/office/2006/metadata/contentType" xmlns:ma="http://schemas.microsoft.com/office/2006/metadata/properties/metaAttributes" ct:_="" ma:_="" ma:contentTypeName="Document" ma:contentTypeID="0x01010087FD3837DCDEFE44B5E2E77ABA929239" ma:contentTypeVersion="6" ma:contentTypeDescription="Create a new document." ma:contentTypeScope="" ma:versionID="0e30e9ed8776833014da8c6f20359aae">
   <xsd:schema xmlns:xsd="http://www.w3.org/2001/XMLSchema" xmlns:xs="http://www.w3.org/2001/XMLSchema" xmlns:p="http://schemas.microsoft.com/office/2006/metadata/properties" xmlns:ns3="5deb6c97-c936-4308-81a8-b8a75559ecd6" xmlns:ns4="a032c742-003c-4072-a5d2-2b436e1cb932" targetNamespace="http://schemas.microsoft.com/office/2006/metadata/properties" ma:root="true" ma:fieldsID="c7093c9ff76ebe117513bca3fe9b67a0" ns3:_="" ns4:_="">
     <xsd:import namespace="5deb6c97-c936-4308-81a8-b8a75559ecd6"/>
@@ -4959,22 +5214,32 @@
 </ct:contentTypeSchema>
 </file>
 
-<file path=customXml/item2.xml><?xml version="1.0" encoding="utf-8"?>
-<?mso-contentType ?>
-<FormTemplates xmlns="http://schemas.microsoft.com/sharepoint/v3/contenttype/forms">
-  <Display>DocumentLibraryForm</Display>
-  <Edit>DocumentLibraryForm</Edit>
-  <New>DocumentLibraryForm</New>
-</FormTemplates>
+<file path=customXml/itemProps1.xml><?xml version="1.0" encoding="utf-8"?>
+<ds:datastoreItem xmlns:ds="http://schemas.openxmlformats.org/officeDocument/2006/customXml" ds:itemID="{C4436A5E-D277-4EBA-B0C9-273F4E27D50F}">
+  <ds:schemaRefs>
+    <ds:schemaRef ds:uri="http://schemas.microsoft.com/office/2006/documentManagement/types"/>
+    <ds:schemaRef ds:uri="http://schemas.openxmlformats.org/package/2006/metadata/core-properties"/>
+    <ds:schemaRef ds:uri="http://purl.org/dc/dcmitype/"/>
+    <ds:schemaRef ds:uri="http://schemas.microsoft.com/office/infopath/2007/PartnerControls"/>
+    <ds:schemaRef ds:uri="http://purl.org/dc/elements/1.1/"/>
+    <ds:schemaRef ds:uri="http://schemas.microsoft.com/office/2006/metadata/properties"/>
+    <ds:schemaRef ds:uri="a032c742-003c-4072-a5d2-2b436e1cb932"/>
+    <ds:schemaRef ds:uri="5deb6c97-c936-4308-81a8-b8a75559ecd6"/>
+    <ds:schemaRef ds:uri="http://www.w3.org/XML/1998/namespace"/>
+    <ds:schemaRef ds:uri="http://purl.org/dc/terms/"/>
+  </ds:schemaRefs>
+</ds:datastoreItem>
 </file>
 
-<file path=customXml/item3.xml><?xml version="1.0" encoding="utf-8"?>
-<p:properties xmlns:p="http://schemas.microsoft.com/office/2006/metadata/properties" xmlns:xsi="http://www.w3.org/2001/XMLSchema-instance" xmlns:pc="http://schemas.microsoft.com/office/infopath/2007/PartnerControls">
-  <documentManagement/>
-</p:properties>
+<file path=customXml/itemProps2.xml><?xml version="1.0" encoding="utf-8"?>
+<ds:datastoreItem xmlns:ds="http://schemas.openxmlformats.org/officeDocument/2006/customXml" ds:itemID="{D39053AB-9771-4119-B83C-6D6BB2DF7E9B}">
+  <ds:schemaRefs>
+    <ds:schemaRef ds:uri="http://schemas.microsoft.com/sharepoint/v3/contenttype/forms"/>
+  </ds:schemaRefs>
+</ds:datastoreItem>
 </file>
 
-<file path=customXml/itemProps1.xml><?xml version="1.0" encoding="utf-8"?>
+<file path=customXml/itemProps3.xml><?xml version="1.0" encoding="utf-8"?>
 <ds:datastoreItem xmlns:ds="http://schemas.openxmlformats.org/officeDocument/2006/customXml" ds:itemID="{A5624972-8BD1-4577-A2D7-B828D0B156C9}">
   <ds:schemaRefs>
     <ds:schemaRef ds:uri="http://schemas.microsoft.com/office/2006/metadata/contentType"/>
@@ -4991,29 +5256,4 @@
     <ds:schemaRef ds:uri="http://schemas.microsoft.com/internal/obd"/>
   </ds:schemaRefs>
 </ds:datastoreItem>
-</file>
-
-<file path=customXml/itemProps2.xml><?xml version="1.0" encoding="utf-8"?>
-<ds:datastoreItem xmlns:ds="http://schemas.openxmlformats.org/officeDocument/2006/customXml" ds:itemID="{D39053AB-9771-4119-B83C-6D6BB2DF7E9B}">
-  <ds:schemaRefs>
-    <ds:schemaRef ds:uri="http://schemas.microsoft.com/sharepoint/v3/contenttype/forms"/>
-  </ds:schemaRefs>
-</ds:datastoreItem>
-</file>
-
-<file path=customXml/itemProps3.xml><?xml version="1.0" encoding="utf-8"?>
-<ds:datastoreItem xmlns:ds="http://schemas.openxmlformats.org/officeDocument/2006/customXml" ds:itemID="{C4436A5E-D277-4EBA-B0C9-273F4E27D50F}">
-  <ds:schemaRefs>
-    <ds:schemaRef ds:uri="http://schemas.microsoft.com/office/infopath/2007/PartnerControls"/>
-    <ds:schemaRef ds:uri="http://purl.org/dc/elements/1.1/"/>
-    <ds:schemaRef ds:uri="http://schemas.microsoft.com/office/2006/metadata/properties"/>
-    <ds:schemaRef ds:uri="http://purl.org/dc/terms/"/>
-    <ds:schemaRef ds:uri="http://schemas.openxmlformats.org/package/2006/metadata/core-properties"/>
-    <ds:schemaRef ds:uri="a032c742-003c-4072-a5d2-2b436e1cb932"/>
-    <ds:schemaRef ds:uri="http://schemas.microsoft.com/office/2006/documentManagement/types"/>
-    <ds:schemaRef ds:uri="5deb6c97-c936-4308-81a8-b8a75559ecd6"/>
-    <ds:schemaRef ds:uri="http://www.w3.org/XML/1998/namespace"/>
-    <ds:schemaRef ds:uri="http://purl.org/dc/dcmitype/"/>
-  </ds:schemaRefs>
-</ds:datastoreItem>
 </file>